--- a/CalendarioAgo2022/presentaciones/6_Funciones.pptx
+++ b/CalendarioAgo2022/presentaciones/6_Funciones.pptx
@@ -229,7 +229,7 @@
           <a:p>
             <a:fld id="{DDE721D5-655F-45D2-B717-3C4CD78C8568}" type="datetimeFigureOut">
               <a:rPr lang="es-MX" smtClean="0"/>
-              <a:t>28/09/2022</a:t>
+              <a:t>29/09/2022</a:t>
             </a:fld>
             <a:endParaRPr lang="es-MX" dirty="0"/>
           </a:p>
@@ -1182,7 +1182,7 @@
           <a:p>
             <a:fld id="{B3F3E716-CACC-4490-AD07-F24B6A68DE47}" type="datetimeFigureOut">
               <a:rPr lang="es-MX" smtClean="0"/>
-              <a:t>28/09/2022</a:t>
+              <a:t>29/09/2022</a:t>
             </a:fld>
             <a:endParaRPr lang="es-MX" dirty="0"/>
           </a:p>
@@ -1352,7 +1352,7 @@
           <a:p>
             <a:fld id="{B3F3E716-CACC-4490-AD07-F24B6A68DE47}" type="datetimeFigureOut">
               <a:rPr lang="es-MX" smtClean="0"/>
-              <a:t>28/09/2022</a:t>
+              <a:t>29/09/2022</a:t>
             </a:fld>
             <a:endParaRPr lang="es-MX" dirty="0"/>
           </a:p>
@@ -1532,7 +1532,7 @@
           <a:p>
             <a:fld id="{B3F3E716-CACC-4490-AD07-F24B6A68DE47}" type="datetimeFigureOut">
               <a:rPr lang="es-MX" smtClean="0"/>
-              <a:t>28/09/2022</a:t>
+              <a:t>29/09/2022</a:t>
             </a:fld>
             <a:endParaRPr lang="es-MX" dirty="0"/>
           </a:p>
@@ -1685,7 +1685,7 @@
           <a:p>
             <a:fld id="{1D8BD707-D9CF-40AE-B4C6-C98DA3205C09}" type="datetimeFigureOut">
               <a:rPr lang="en-US" smtClean="0"/>
-              <a:t>9/28/2022</a:t>
+              <a:t>9/29/2022</a:t>
             </a:fld>
             <a:endParaRPr lang="en-US" dirty="0"/>
           </a:p>
@@ -1845,7 +1845,7 @@
           <a:p>
             <a:fld id="{B3F3E716-CACC-4490-AD07-F24B6A68DE47}" type="datetimeFigureOut">
               <a:rPr lang="es-MX" smtClean="0"/>
-              <a:t>28/09/2022</a:t>
+              <a:t>29/09/2022</a:t>
             </a:fld>
             <a:endParaRPr lang="es-MX" dirty="0"/>
           </a:p>
@@ -2091,7 +2091,7 @@
           <a:p>
             <a:fld id="{B3F3E716-CACC-4490-AD07-F24B6A68DE47}" type="datetimeFigureOut">
               <a:rPr lang="es-MX" smtClean="0"/>
-              <a:t>28/09/2022</a:t>
+              <a:t>29/09/2022</a:t>
             </a:fld>
             <a:endParaRPr lang="es-MX" dirty="0"/>
           </a:p>
@@ -2379,7 +2379,7 @@
           <a:p>
             <a:fld id="{B3F3E716-CACC-4490-AD07-F24B6A68DE47}" type="datetimeFigureOut">
               <a:rPr lang="es-MX" smtClean="0"/>
-              <a:t>28/09/2022</a:t>
+              <a:t>29/09/2022</a:t>
             </a:fld>
             <a:endParaRPr lang="es-MX" dirty="0"/>
           </a:p>
@@ -2801,7 +2801,7 @@
           <a:p>
             <a:fld id="{B3F3E716-CACC-4490-AD07-F24B6A68DE47}" type="datetimeFigureOut">
               <a:rPr lang="es-MX" smtClean="0"/>
-              <a:t>28/09/2022</a:t>
+              <a:t>29/09/2022</a:t>
             </a:fld>
             <a:endParaRPr lang="es-MX" dirty="0"/>
           </a:p>
@@ -2919,7 +2919,7 @@
           <a:p>
             <a:fld id="{B3F3E716-CACC-4490-AD07-F24B6A68DE47}" type="datetimeFigureOut">
               <a:rPr lang="es-MX" smtClean="0"/>
-              <a:t>28/09/2022</a:t>
+              <a:t>29/09/2022</a:t>
             </a:fld>
             <a:endParaRPr lang="es-MX" dirty="0"/>
           </a:p>
@@ -3014,7 +3014,7 @@
           <a:p>
             <a:fld id="{B3F3E716-CACC-4490-AD07-F24B6A68DE47}" type="datetimeFigureOut">
               <a:rPr lang="es-MX" smtClean="0"/>
-              <a:t>28/09/2022</a:t>
+              <a:t>29/09/2022</a:t>
             </a:fld>
             <a:endParaRPr lang="es-MX" dirty="0"/>
           </a:p>
@@ -3291,7 +3291,7 @@
           <a:p>
             <a:fld id="{B3F3E716-CACC-4490-AD07-F24B6A68DE47}" type="datetimeFigureOut">
               <a:rPr lang="es-MX" smtClean="0"/>
-              <a:t>28/09/2022</a:t>
+              <a:t>29/09/2022</a:t>
             </a:fld>
             <a:endParaRPr lang="es-MX" dirty="0"/>
           </a:p>
@@ -3544,7 +3544,7 @@
           <a:p>
             <a:fld id="{B3F3E716-CACC-4490-AD07-F24B6A68DE47}" type="datetimeFigureOut">
               <a:rPr lang="es-MX" smtClean="0"/>
-              <a:t>28/09/2022</a:t>
+              <a:t>29/09/2022</a:t>
             </a:fld>
             <a:endParaRPr lang="es-MX" dirty="0"/>
           </a:p>
@@ -3757,7 +3757,7 @@
           <a:p>
             <a:fld id="{B3F3E716-CACC-4490-AD07-F24B6A68DE47}" type="datetimeFigureOut">
               <a:rPr lang="es-MX" smtClean="0"/>
-              <a:t>28/09/2022</a:t>
+              <a:t>29/09/2022</a:t>
             </a:fld>
             <a:endParaRPr lang="es-MX" dirty="0"/>
           </a:p>
@@ -10781,8 +10781,8 @@
         </p:nvSpPr>
         <p:spPr bwMode="auto">
           <a:xfrm>
-            <a:off x="956099" y="1916832"/>
-            <a:ext cx="3240608" cy="1040022"/>
+            <a:off x="683568" y="1556792"/>
+            <a:ext cx="3240608" cy="1544637"/>
           </a:xfrm>
           <a:prstGeom prst="rect">
             <a:avLst/>
@@ -10818,7 +10818,7 @@
         </p:nvSpPr>
         <p:spPr>
           <a:xfrm>
-            <a:off x="1190280" y="2029510"/>
+            <a:off x="917749" y="1669471"/>
             <a:ext cx="2877664" cy="850117"/>
           </a:xfrm>
         </p:spPr>
@@ -10883,6 +10883,24 @@
               <a:rPr lang="es-ES_tradnl" sz="2400" b="1" dirty="0">
                 <a:cs typeface="Arial" pitchFamily="34" charset="0"/>
               </a:rPr>
+              <a:t>       res = (a + b) / 2</a:t>
+            </a:r>
+          </a:p>
+          <a:p>
+            <a:pPr eaLnBrk="1" hangingPunct="1">
+              <a:lnSpc>
+                <a:spcPct val="115000"/>
+              </a:lnSpc>
+              <a:spcBef>
+                <a:spcPct val="0"/>
+              </a:spcBef>
+              <a:buFontTx/>
+              <a:buNone/>
+            </a:pPr>
+            <a:r>
+              <a:rPr lang="es-ES_tradnl" sz="2400" b="1" dirty="0">
+                <a:cs typeface="Arial" pitchFamily="34" charset="0"/>
+              </a:rPr>
               <a:t>       </a:t>
             </a:r>
             <a:r>
@@ -10895,7 +10913,7 @@
               <a:rPr lang="es-ES_tradnl" sz="2400" b="1" dirty="0">
                 <a:cs typeface="Arial" pitchFamily="34" charset="0"/>
               </a:rPr>
-              <a:t> (a + b) / 2</a:t>
+              <a:t> res</a:t>
             </a:r>
             <a:endParaRPr lang="es-ES_tradnl" sz="2100" b="1" dirty="0">
               <a:solidFill>
@@ -10919,7 +10937,7 @@
         </p:nvSpPr>
         <p:spPr bwMode="auto">
           <a:xfrm>
-            <a:off x="3934473" y="2347656"/>
+            <a:off x="3661942" y="1987617"/>
             <a:ext cx="685800" cy="0"/>
           </a:xfrm>
           <a:prstGeom prst="line">
@@ -10970,7 +10988,7 @@
         </p:nvSpPr>
         <p:spPr bwMode="auto">
           <a:xfrm>
-            <a:off x="4764427" y="2140255"/>
+            <a:off x="4491896" y="1780216"/>
             <a:ext cx="4134465" cy="369332"/>
           </a:xfrm>
           <a:prstGeom prst="rect">
@@ -11137,7 +11155,7 @@
         </p:nvSpPr>
         <p:spPr bwMode="auto">
           <a:xfrm>
-            <a:off x="4740055" y="2555612"/>
+            <a:off x="4467524" y="2195573"/>
             <a:ext cx="3595857" cy="369332"/>
           </a:xfrm>
           <a:prstGeom prst="rect">
@@ -11304,7 +11322,7 @@
         </p:nvSpPr>
         <p:spPr bwMode="auto">
           <a:xfrm>
-            <a:off x="5395747" y="4653136"/>
+            <a:off x="5069975" y="4587990"/>
             <a:ext cx="3583032" cy="369332"/>
           </a:xfrm>
           <a:prstGeom prst="rect">
@@ -11477,7 +11495,7 @@
         </p:nvSpPr>
         <p:spPr>
           <a:xfrm>
-            <a:off x="984699" y="3161907"/>
+            <a:off x="742380" y="3180278"/>
             <a:ext cx="8020692" cy="2815425"/>
           </a:xfrm>
           <a:prstGeom prst="rect">
@@ -12132,7 +12150,7 @@
         </p:blipFill>
         <p:spPr>
           <a:xfrm>
-            <a:off x="7524328" y="5444456"/>
+            <a:off x="7251797" y="5084417"/>
             <a:ext cx="1152128" cy="1069240"/>
           </a:xfrm>
           <a:prstGeom prst="rect">
@@ -12156,7 +12174,7 @@
         </p:nvSpPr>
         <p:spPr bwMode="auto">
           <a:xfrm>
-            <a:off x="3934473" y="2780928"/>
+            <a:off x="3661942" y="2420889"/>
             <a:ext cx="685800" cy="0"/>
           </a:xfrm>
           <a:prstGeom prst="line">

--- a/CalendarioAgo2022/presentaciones/6_Funciones.pptx
+++ b/CalendarioAgo2022/presentaciones/6_Funciones.pptx
@@ -229,7 +229,7 @@
           <a:p>
             <a:fld id="{DDE721D5-655F-45D2-B717-3C4CD78C8568}" type="datetimeFigureOut">
               <a:rPr lang="es-MX" smtClean="0"/>
-              <a:t>29/09/2022</a:t>
+              <a:t>30/09/2022</a:t>
             </a:fld>
             <a:endParaRPr lang="es-MX" dirty="0"/>
           </a:p>
@@ -1182,7 +1182,7 @@
           <a:p>
             <a:fld id="{B3F3E716-CACC-4490-AD07-F24B6A68DE47}" type="datetimeFigureOut">
               <a:rPr lang="es-MX" smtClean="0"/>
-              <a:t>29/09/2022</a:t>
+              <a:t>30/09/2022</a:t>
             </a:fld>
             <a:endParaRPr lang="es-MX" dirty="0"/>
           </a:p>
@@ -1352,7 +1352,7 @@
           <a:p>
             <a:fld id="{B3F3E716-CACC-4490-AD07-F24B6A68DE47}" type="datetimeFigureOut">
               <a:rPr lang="es-MX" smtClean="0"/>
-              <a:t>29/09/2022</a:t>
+              <a:t>30/09/2022</a:t>
             </a:fld>
             <a:endParaRPr lang="es-MX" dirty="0"/>
           </a:p>
@@ -1532,7 +1532,7 @@
           <a:p>
             <a:fld id="{B3F3E716-CACC-4490-AD07-F24B6A68DE47}" type="datetimeFigureOut">
               <a:rPr lang="es-MX" smtClean="0"/>
-              <a:t>29/09/2022</a:t>
+              <a:t>30/09/2022</a:t>
             </a:fld>
             <a:endParaRPr lang="es-MX" dirty="0"/>
           </a:p>
@@ -1685,7 +1685,7 @@
           <a:p>
             <a:fld id="{1D8BD707-D9CF-40AE-B4C6-C98DA3205C09}" type="datetimeFigureOut">
               <a:rPr lang="en-US" smtClean="0"/>
-              <a:t>9/29/2022</a:t>
+              <a:t>9/30/2022</a:t>
             </a:fld>
             <a:endParaRPr lang="en-US" dirty="0"/>
           </a:p>
@@ -1845,7 +1845,7 @@
           <a:p>
             <a:fld id="{B3F3E716-CACC-4490-AD07-F24B6A68DE47}" type="datetimeFigureOut">
               <a:rPr lang="es-MX" smtClean="0"/>
-              <a:t>29/09/2022</a:t>
+              <a:t>30/09/2022</a:t>
             </a:fld>
             <a:endParaRPr lang="es-MX" dirty="0"/>
           </a:p>
@@ -2091,7 +2091,7 @@
           <a:p>
             <a:fld id="{B3F3E716-CACC-4490-AD07-F24B6A68DE47}" type="datetimeFigureOut">
               <a:rPr lang="es-MX" smtClean="0"/>
-              <a:t>29/09/2022</a:t>
+              <a:t>30/09/2022</a:t>
             </a:fld>
             <a:endParaRPr lang="es-MX" dirty="0"/>
           </a:p>
@@ -2379,7 +2379,7 @@
           <a:p>
             <a:fld id="{B3F3E716-CACC-4490-AD07-F24B6A68DE47}" type="datetimeFigureOut">
               <a:rPr lang="es-MX" smtClean="0"/>
-              <a:t>29/09/2022</a:t>
+              <a:t>30/09/2022</a:t>
             </a:fld>
             <a:endParaRPr lang="es-MX" dirty="0"/>
           </a:p>
@@ -2801,7 +2801,7 @@
           <a:p>
             <a:fld id="{B3F3E716-CACC-4490-AD07-F24B6A68DE47}" type="datetimeFigureOut">
               <a:rPr lang="es-MX" smtClean="0"/>
-              <a:t>29/09/2022</a:t>
+              <a:t>30/09/2022</a:t>
             </a:fld>
             <a:endParaRPr lang="es-MX" dirty="0"/>
           </a:p>
@@ -2919,7 +2919,7 @@
           <a:p>
             <a:fld id="{B3F3E716-CACC-4490-AD07-F24B6A68DE47}" type="datetimeFigureOut">
               <a:rPr lang="es-MX" smtClean="0"/>
-              <a:t>29/09/2022</a:t>
+              <a:t>30/09/2022</a:t>
             </a:fld>
             <a:endParaRPr lang="es-MX" dirty="0"/>
           </a:p>
@@ -3014,7 +3014,7 @@
           <a:p>
             <a:fld id="{B3F3E716-CACC-4490-AD07-F24B6A68DE47}" type="datetimeFigureOut">
               <a:rPr lang="es-MX" smtClean="0"/>
-              <a:t>29/09/2022</a:t>
+              <a:t>30/09/2022</a:t>
             </a:fld>
             <a:endParaRPr lang="es-MX" dirty="0"/>
           </a:p>
@@ -3291,7 +3291,7 @@
           <a:p>
             <a:fld id="{B3F3E716-CACC-4490-AD07-F24B6A68DE47}" type="datetimeFigureOut">
               <a:rPr lang="es-MX" smtClean="0"/>
-              <a:t>29/09/2022</a:t>
+              <a:t>30/09/2022</a:t>
             </a:fld>
             <a:endParaRPr lang="es-MX" dirty="0"/>
           </a:p>
@@ -3544,7 +3544,7 @@
           <a:p>
             <a:fld id="{B3F3E716-CACC-4490-AD07-F24B6A68DE47}" type="datetimeFigureOut">
               <a:rPr lang="es-MX" smtClean="0"/>
-              <a:t>29/09/2022</a:t>
+              <a:t>30/09/2022</a:t>
             </a:fld>
             <a:endParaRPr lang="es-MX" dirty="0"/>
           </a:p>
@@ -3757,7 +3757,7 @@
           <a:p>
             <a:fld id="{B3F3E716-CACC-4490-AD07-F24B6A68DE47}" type="datetimeFigureOut">
               <a:rPr lang="es-MX" smtClean="0"/>
-              <a:t>29/09/2022</a:t>
+              <a:t>30/09/2022</a:t>
             </a:fld>
             <a:endParaRPr lang="es-MX" dirty="0"/>
           </a:p>
@@ -12117,7 +12117,7 @@
                 </a:effectLst>
                 <a:latin typeface="Dom Casual" charset="0"/>
               </a:rPr>
-              <a:t>Programa: Función cuadrado</a:t>
+              <a:t>Programa: Función promedio</a:t>
             </a:r>
           </a:p>
         </p:txBody>
